--- a/Meilenstein1/3.Zeitplan/Netzplan_Anwendungsprojekt.pptx
+++ b/Meilenstein1/3.Zeitplan/Netzplan_Anwendungsprojekt.pptx
@@ -261,7 +261,7 @@
           <a:p>
             <a:fld id="{B475CF4E-1082-4EEE-AD2F-EFC7D59A4B0E}" type="datetimeFigureOut">
               <a:rPr lang="de-DE" smtClean="0"/>
-              <a:t>07.02.2025</a:t>
+              <a:t>10.02.2025</a:t>
             </a:fld>
             <a:endParaRPr lang="de-DE"/>
           </a:p>
@@ -461,7 +461,7 @@
           <a:p>
             <a:fld id="{B475CF4E-1082-4EEE-AD2F-EFC7D59A4B0E}" type="datetimeFigureOut">
               <a:rPr lang="de-DE" smtClean="0"/>
-              <a:t>07.02.2025</a:t>
+              <a:t>10.02.2025</a:t>
             </a:fld>
             <a:endParaRPr lang="de-DE"/>
           </a:p>
@@ -671,7 +671,7 @@
           <a:p>
             <a:fld id="{B475CF4E-1082-4EEE-AD2F-EFC7D59A4B0E}" type="datetimeFigureOut">
               <a:rPr lang="de-DE" smtClean="0"/>
-              <a:t>07.02.2025</a:t>
+              <a:t>10.02.2025</a:t>
             </a:fld>
             <a:endParaRPr lang="de-DE"/>
           </a:p>
@@ -871,7 +871,7 @@
           <a:p>
             <a:fld id="{B475CF4E-1082-4EEE-AD2F-EFC7D59A4B0E}" type="datetimeFigureOut">
               <a:rPr lang="de-DE" smtClean="0"/>
-              <a:t>07.02.2025</a:t>
+              <a:t>10.02.2025</a:t>
             </a:fld>
             <a:endParaRPr lang="de-DE"/>
           </a:p>
@@ -1147,7 +1147,7 @@
           <a:p>
             <a:fld id="{B475CF4E-1082-4EEE-AD2F-EFC7D59A4B0E}" type="datetimeFigureOut">
               <a:rPr lang="de-DE" smtClean="0"/>
-              <a:t>07.02.2025</a:t>
+              <a:t>10.02.2025</a:t>
             </a:fld>
             <a:endParaRPr lang="de-DE"/>
           </a:p>
@@ -1415,7 +1415,7 @@
           <a:p>
             <a:fld id="{B475CF4E-1082-4EEE-AD2F-EFC7D59A4B0E}" type="datetimeFigureOut">
               <a:rPr lang="de-DE" smtClean="0"/>
-              <a:t>07.02.2025</a:t>
+              <a:t>10.02.2025</a:t>
             </a:fld>
             <a:endParaRPr lang="de-DE"/>
           </a:p>
@@ -1830,7 +1830,7 @@
           <a:p>
             <a:fld id="{B475CF4E-1082-4EEE-AD2F-EFC7D59A4B0E}" type="datetimeFigureOut">
               <a:rPr lang="de-DE" smtClean="0"/>
-              <a:t>07.02.2025</a:t>
+              <a:t>10.02.2025</a:t>
             </a:fld>
             <a:endParaRPr lang="de-DE"/>
           </a:p>
@@ -1972,7 +1972,7 @@
           <a:p>
             <a:fld id="{B475CF4E-1082-4EEE-AD2F-EFC7D59A4B0E}" type="datetimeFigureOut">
               <a:rPr lang="de-DE" smtClean="0"/>
-              <a:t>07.02.2025</a:t>
+              <a:t>10.02.2025</a:t>
             </a:fld>
             <a:endParaRPr lang="de-DE"/>
           </a:p>
@@ -2085,7 +2085,7 @@
           <a:p>
             <a:fld id="{B475CF4E-1082-4EEE-AD2F-EFC7D59A4B0E}" type="datetimeFigureOut">
               <a:rPr lang="de-DE" smtClean="0"/>
-              <a:t>07.02.2025</a:t>
+              <a:t>10.02.2025</a:t>
             </a:fld>
             <a:endParaRPr lang="de-DE"/>
           </a:p>
@@ -2398,7 +2398,7 @@
           <a:p>
             <a:fld id="{B475CF4E-1082-4EEE-AD2F-EFC7D59A4B0E}" type="datetimeFigureOut">
               <a:rPr lang="de-DE" smtClean="0"/>
-              <a:t>07.02.2025</a:t>
+              <a:t>10.02.2025</a:t>
             </a:fld>
             <a:endParaRPr lang="de-DE"/>
           </a:p>
@@ -2687,7 +2687,7 @@
           <a:p>
             <a:fld id="{B475CF4E-1082-4EEE-AD2F-EFC7D59A4B0E}" type="datetimeFigureOut">
               <a:rPr lang="de-DE" smtClean="0"/>
-              <a:t>07.02.2025</a:t>
+              <a:t>10.02.2025</a:t>
             </a:fld>
             <a:endParaRPr lang="de-DE"/>
           </a:p>
@@ -2930,7 +2930,7 @@
           <a:p>
             <a:fld id="{B475CF4E-1082-4EEE-AD2F-EFC7D59A4B0E}" type="datetimeFigureOut">
               <a:rPr lang="de-DE" smtClean="0"/>
-              <a:t>07.02.2025</a:t>
+              <a:t>10.02.2025</a:t>
             </a:fld>
             <a:endParaRPr lang="de-DE"/>
           </a:p>
@@ -15376,7 +15376,7 @@
                   <a:latin typeface="Arial" panose="020B0604020202020204" pitchFamily="34" charset="0"/>
                   <a:cs typeface="Arial" panose="020B0604020202020204" pitchFamily="34" charset="0"/>
                 </a:rPr>
-                <a:t>4</a:t>
+                <a:t>1</a:t>
               </a:r>
             </a:p>
           </p:txBody>
@@ -15493,7 +15493,7 @@
                   <a:latin typeface="Arial" panose="020B0604020202020204" pitchFamily="34" charset="0"/>
                   <a:cs typeface="Arial" panose="020B0604020202020204" pitchFamily="34" charset="0"/>
                 </a:rPr>
-                <a:t>16.02.</a:t>
+                <a:t>13.02.</a:t>
               </a:r>
             </a:p>
           </p:txBody>
@@ -15775,7 +15775,7 @@
                   <a:latin typeface="Arial" panose="020B0604020202020204" pitchFamily="34" charset="0"/>
                   <a:cs typeface="Arial" panose="020B0604020202020204" pitchFamily="34" charset="0"/>
                 </a:rPr>
-                <a:t>16.02.</a:t>
+                <a:t>13.02.</a:t>
               </a:r>
             </a:p>
           </p:txBody>
@@ -15814,7 +15814,7 @@
                   <a:latin typeface="Arial" panose="020B0604020202020204" pitchFamily="34" charset="0"/>
                   <a:cs typeface="Arial" panose="020B0604020202020204" pitchFamily="34" charset="0"/>
                 </a:rPr>
-                <a:t>Ressourcenplan erstellen</a:t>
+                <a:t>Kritischer Pfad Betrachtung</a:t>
               </a:r>
             </a:p>
           </p:txBody>
@@ -16381,7 +16381,7 @@
                   <a:latin typeface="Arial" panose="020B0604020202020204" pitchFamily="34" charset="0"/>
                   <a:cs typeface="Arial" panose="020B0604020202020204" pitchFamily="34" charset="0"/>
                 </a:rPr>
-                <a:t>11.00</a:t>
+                <a:t>12.00</a:t>
               </a:r>
             </a:p>
           </p:txBody>
@@ -17464,7 +17464,7 @@
                   <a:latin typeface="Arial" panose="020B0604020202020204" pitchFamily="34" charset="0"/>
                   <a:cs typeface="Arial" panose="020B0604020202020204" pitchFamily="34" charset="0"/>
                 </a:rPr>
-                <a:t>10.00</a:t>
+                <a:t>11.00</a:t>
               </a:r>
             </a:p>
           </p:txBody>
@@ -18547,7 +18547,7 @@
                   <a:latin typeface="Arial" panose="020B0604020202020204" pitchFamily="34" charset="0"/>
                   <a:cs typeface="Arial" panose="020B0604020202020204" pitchFamily="34" charset="0"/>
                 </a:rPr>
-                <a:t>12.00</a:t>
+                <a:t>13.00</a:t>
               </a:r>
             </a:p>
           </p:txBody>
@@ -19630,7 +19630,7 @@
                   <a:latin typeface="Arial" panose="020B0604020202020204" pitchFamily="34" charset="0"/>
                   <a:cs typeface="Arial" panose="020B0604020202020204" pitchFamily="34" charset="0"/>
                 </a:rPr>
-                <a:t>13.00</a:t>
+                <a:t>14.00</a:t>
               </a:r>
             </a:p>
           </p:txBody>
@@ -20713,7 +20713,7 @@
                   <a:latin typeface="Arial" panose="020B0604020202020204" pitchFamily="34" charset="0"/>
                   <a:cs typeface="Arial" panose="020B0604020202020204" pitchFamily="34" charset="0"/>
                 </a:rPr>
-                <a:t>14.00</a:t>
+                <a:t>15.00</a:t>
               </a:r>
             </a:p>
           </p:txBody>
@@ -21796,7 +21796,7 @@
                   <a:latin typeface="Arial" panose="020B0604020202020204" pitchFamily="34" charset="0"/>
                   <a:cs typeface="Arial" panose="020B0604020202020204" pitchFamily="34" charset="0"/>
                 </a:rPr>
-                <a:t>16.00</a:t>
+                <a:t>17.00</a:t>
               </a:r>
             </a:p>
           </p:txBody>
@@ -22879,7 +22879,7 @@
                   <a:latin typeface="Arial" panose="020B0604020202020204" pitchFamily="34" charset="0"/>
                   <a:cs typeface="Arial" panose="020B0604020202020204" pitchFamily="34" charset="0"/>
                 </a:rPr>
-                <a:t>17.00</a:t>
+                <a:t>18.00</a:t>
               </a:r>
             </a:p>
           </p:txBody>
@@ -23962,7 +23962,7 @@
                   <a:latin typeface="Arial" panose="020B0604020202020204" pitchFamily="34" charset="0"/>
                   <a:cs typeface="Arial" panose="020B0604020202020204" pitchFamily="34" charset="0"/>
                 </a:rPr>
-                <a:t>18.10</a:t>
+                <a:t>19.10</a:t>
               </a:r>
             </a:p>
           </p:txBody>
@@ -25045,7 +25045,7 @@
                   <a:latin typeface="Arial" panose="020B0604020202020204" pitchFamily="34" charset="0"/>
                   <a:cs typeface="Arial" panose="020B0604020202020204" pitchFamily="34" charset="0"/>
                 </a:rPr>
-                <a:t>18.20</a:t>
+                <a:t>19.20</a:t>
               </a:r>
             </a:p>
           </p:txBody>
@@ -26128,7 +26128,7 @@
                   <a:latin typeface="Arial" panose="020B0604020202020204" pitchFamily="34" charset="0"/>
                   <a:cs typeface="Arial" panose="020B0604020202020204" pitchFamily="34" charset="0"/>
                 </a:rPr>
-                <a:t>19.00</a:t>
+                <a:t>20.00</a:t>
               </a:r>
             </a:p>
           </p:txBody>
@@ -27211,7 +27211,7 @@
                   <a:latin typeface="Arial" panose="020B0604020202020204" pitchFamily="34" charset="0"/>
                   <a:cs typeface="Arial" panose="020B0604020202020204" pitchFamily="34" charset="0"/>
                 </a:rPr>
-                <a:t>20.10</a:t>
+                <a:t>21.10</a:t>
               </a:r>
             </a:p>
           </p:txBody>
@@ -28294,7 +28294,7 @@
                   <a:latin typeface="Arial" panose="020B0604020202020204" pitchFamily="34" charset="0"/>
                   <a:cs typeface="Arial" panose="020B0604020202020204" pitchFamily="34" charset="0"/>
                 </a:rPr>
-                <a:t>20.20</a:t>
+                <a:t>21.20</a:t>
               </a:r>
             </a:p>
           </p:txBody>
@@ -29377,7 +29377,7 @@
                   <a:latin typeface="Arial" panose="020B0604020202020204" pitchFamily="34" charset="0"/>
                   <a:cs typeface="Arial" panose="020B0604020202020204" pitchFamily="34" charset="0"/>
                 </a:rPr>
-                <a:t>20.30</a:t>
+                <a:t>21.30</a:t>
               </a:r>
             </a:p>
           </p:txBody>
@@ -30460,7 +30460,7 @@
                   <a:latin typeface="Arial" panose="020B0604020202020204" pitchFamily="34" charset="0"/>
                   <a:cs typeface="Arial" panose="020B0604020202020204" pitchFamily="34" charset="0"/>
                 </a:rPr>
-                <a:t>20.40</a:t>
+                <a:t>21.40</a:t>
               </a:r>
             </a:p>
           </p:txBody>
@@ -31543,7 +31543,7 @@
                   <a:latin typeface="Arial" panose="020B0604020202020204" pitchFamily="34" charset="0"/>
                   <a:cs typeface="Arial" panose="020B0604020202020204" pitchFamily="34" charset="0"/>
                 </a:rPr>
-                <a:t>21.00</a:t>
+                <a:t>22.00</a:t>
               </a:r>
             </a:p>
           </p:txBody>
@@ -32626,7 +32626,7 @@
                   <a:latin typeface="Arial" panose="020B0604020202020204" pitchFamily="34" charset="0"/>
                   <a:cs typeface="Arial" panose="020B0604020202020204" pitchFamily="34" charset="0"/>
                 </a:rPr>
-                <a:t>22.00</a:t>
+                <a:t>23.00</a:t>
               </a:r>
             </a:p>
           </p:txBody>
@@ -33709,7 +33709,7 @@
                   <a:latin typeface="Arial" panose="020B0604020202020204" pitchFamily="34" charset="0"/>
                   <a:cs typeface="Arial" panose="020B0604020202020204" pitchFamily="34" charset="0"/>
                 </a:rPr>
-                <a:t>23.00</a:t>
+                <a:t>24.00</a:t>
               </a:r>
             </a:p>
           </p:txBody>
@@ -34792,7 +34792,7 @@
                   <a:latin typeface="Arial" panose="020B0604020202020204" pitchFamily="34" charset="0"/>
                   <a:cs typeface="Arial" panose="020B0604020202020204" pitchFamily="34" charset="0"/>
                 </a:rPr>
-                <a:t>24.00</a:t>
+                <a:t>25.00</a:t>
               </a:r>
             </a:p>
           </p:txBody>
@@ -35875,7 +35875,7 @@
                   <a:latin typeface="Arial" panose="020B0604020202020204" pitchFamily="34" charset="0"/>
                   <a:cs typeface="Arial" panose="020B0604020202020204" pitchFamily="34" charset="0"/>
                 </a:rPr>
-                <a:t>25.00</a:t>
+                <a:t>26.00</a:t>
               </a:r>
             </a:p>
           </p:txBody>
@@ -36958,7 +36958,7 @@
                   <a:latin typeface="Arial" panose="020B0604020202020204" pitchFamily="34" charset="0"/>
                   <a:cs typeface="Arial" panose="020B0604020202020204" pitchFamily="34" charset="0"/>
                 </a:rPr>
-                <a:t>26.00</a:t>
+                <a:t>27.00</a:t>
               </a:r>
             </a:p>
           </p:txBody>
@@ -38227,18 +38227,18 @@
           </p:cNvPr>
           <p:cNvCxnSpPr>
             <a:cxnSpLocks/>
-            <a:stCxn id="835" idx="3"/>
+            <a:stCxn id="108" idx="3"/>
           </p:cNvCxnSpPr>
           <p:nvPr/>
         </p:nvCxnSpPr>
         <p:spPr>
           <a:xfrm flipH="1">
-            <a:off x="182880" y="412499"/>
-            <a:ext cx="8234567" cy="2411981"/>
+            <a:off x="182880" y="416309"/>
+            <a:ext cx="9385327" cy="2423411"/>
           </a:xfrm>
           <a:prstGeom prst="bentConnector3">
             <a:avLst>
-              <a:gd name="adj1" fmla="val -2776"/>
+              <a:gd name="adj1" fmla="val -2436"/>
             </a:avLst>
           </a:prstGeom>
           <a:ln>
@@ -38841,7 +38841,7 @@
                   <a:latin typeface="Arial" panose="020B0604020202020204" pitchFamily="34" charset="0"/>
                   <a:cs typeface="Arial" panose="020B0604020202020204" pitchFamily="34" charset="0"/>
                 </a:rPr>
-                <a:t>15.00</a:t>
+                <a:t>16.00</a:t>
               </a:r>
             </a:p>
           </p:txBody>
@@ -40657,6 +40657,53 @@
           </a:fontRef>
         </p:style>
       </p:cxnSp>
+      <p:sp>
+        <p:nvSpPr>
+          <p:cNvPr id="48" name="Rectangle 47">
+            <a:extLst>
+              <a:ext uri="{FF2B5EF4-FFF2-40B4-BE49-F238E27FC236}">
+                <a16:creationId xmlns:a16="http://schemas.microsoft.com/office/drawing/2014/main" id="{45594F0B-7AB9-E9C0-C423-AB9E375C7B42}"/>
+              </a:ext>
+            </a:extLst>
+          </p:cNvPr>
+          <p:cNvSpPr/>
+          <p:nvPr/>
+        </p:nvSpPr>
+        <p:spPr>
+          <a:xfrm>
+            <a:off x="9880600" y="5707018"/>
+            <a:ext cx="2748280" cy="1547354"/>
+          </a:xfrm>
+          <a:prstGeom prst="rect">
+            <a:avLst/>
+          </a:prstGeom>
+          <a:noFill/>
+        </p:spPr>
+        <p:style>
+          <a:lnRef idx="2">
+            <a:schemeClr val="accent1">
+              <a:shade val="15000"/>
+            </a:schemeClr>
+          </a:lnRef>
+          <a:fillRef idx="1">
+            <a:schemeClr val="accent1"/>
+          </a:fillRef>
+          <a:effectRef idx="0">
+            <a:schemeClr val="accent1"/>
+          </a:effectRef>
+          <a:fontRef idx="minor">
+            <a:schemeClr val="lt1"/>
+          </a:fontRef>
+        </p:style>
+        <p:txBody>
+          <a:bodyPr rtlCol="0" anchor="ctr"/>
+          <a:lstStyle/>
+          <a:p>
+            <a:pPr algn="ctr"/>
+            <a:endParaRPr lang="de-DE"/>
+          </a:p>
+        </p:txBody>
+      </p:sp>
       <p:grpSp>
         <p:nvGrpSpPr>
           <p:cNvPr id="1351" name="Group 1350">
@@ -40671,7 +40718,7 @@
         </p:nvGrpSpPr>
         <p:grpSpPr>
           <a:xfrm>
-            <a:off x="10179125" y="6022773"/>
+            <a:off x="10003625" y="5968140"/>
             <a:ext cx="867601" cy="605392"/>
             <a:chOff x="3156856" y="1368777"/>
             <a:chExt cx="1501139" cy="1211474"/>
@@ -40772,7 +40819,7 @@
             <a:lstStyle/>
             <a:p>
               <a:pPr algn="ctr"/>
-              <a:endParaRPr lang="de-DE" sz="300">
+              <a:endParaRPr lang="de-DE" sz="300" dirty="0">
                 <a:latin typeface="Arial" panose="020B0604020202020204" pitchFamily="34" charset="0"/>
                 <a:cs typeface="Arial" panose="020B0604020202020204" pitchFamily="34" charset="0"/>
               </a:endParaRPr>
@@ -41740,6 +41787,1362 @@
           </p:txBody>
         </p:sp>
       </p:grpSp>
+      <p:grpSp>
+        <p:nvGrpSpPr>
+          <p:cNvPr id="21" name="Group 20">
+            <a:extLst>
+              <a:ext uri="{FF2B5EF4-FFF2-40B4-BE49-F238E27FC236}">
+                <a16:creationId xmlns:a16="http://schemas.microsoft.com/office/drawing/2014/main" id="{F475467B-B3CA-CC46-B252-830CF2794D50}"/>
+              </a:ext>
+            </a:extLst>
+          </p:cNvPr>
+          <p:cNvGrpSpPr/>
+          <p:nvPr/>
+        </p:nvGrpSpPr>
+        <p:grpSpPr>
+          <a:xfrm>
+            <a:off x="9305463" y="1437038"/>
+            <a:ext cx="960120" cy="246221"/>
+            <a:chOff x="8896350" y="1008359"/>
+            <a:chExt cx="960120" cy="246221"/>
+          </a:xfrm>
+        </p:grpSpPr>
+        <p:sp>
+          <p:nvSpPr>
+            <p:cNvPr id="2" name="Rectangle 1">
+              <a:extLst>
+                <a:ext uri="{FF2B5EF4-FFF2-40B4-BE49-F238E27FC236}">
+                  <a16:creationId xmlns:a16="http://schemas.microsoft.com/office/drawing/2014/main" id="{2BBC61CE-111F-D325-718C-2FC1B9B517B0}"/>
+                </a:ext>
+              </a:extLst>
+            </p:cNvPr>
+            <p:cNvSpPr/>
+            <p:nvPr/>
+          </p:nvSpPr>
+          <p:spPr>
+            <a:xfrm>
+              <a:off x="8896350" y="1013460"/>
+              <a:ext cx="960120" cy="241120"/>
+            </a:xfrm>
+            <a:prstGeom prst="rect">
+              <a:avLst/>
+            </a:prstGeom>
+            <a:solidFill>
+              <a:srgbClr val="FFC000"/>
+            </a:solidFill>
+          </p:spPr>
+          <p:style>
+            <a:lnRef idx="2">
+              <a:schemeClr val="accent1">
+                <a:shade val="15000"/>
+              </a:schemeClr>
+            </a:lnRef>
+            <a:fillRef idx="1">
+              <a:schemeClr val="accent1"/>
+            </a:fillRef>
+            <a:effectRef idx="0">
+              <a:schemeClr val="accent1"/>
+            </a:effectRef>
+            <a:fontRef idx="minor">
+              <a:schemeClr val="lt1"/>
+            </a:fontRef>
+          </p:style>
+          <p:txBody>
+            <a:bodyPr rtlCol="0" anchor="ctr"/>
+            <a:lstStyle/>
+            <a:p>
+              <a:pPr algn="ctr"/>
+              <a:endParaRPr lang="de-DE"/>
+            </a:p>
+          </p:txBody>
+        </p:sp>
+        <p:sp>
+          <p:nvSpPr>
+            <p:cNvPr id="16" name="TextBox 15">
+              <a:extLst>
+                <a:ext uri="{FF2B5EF4-FFF2-40B4-BE49-F238E27FC236}">
+                  <a16:creationId xmlns:a16="http://schemas.microsoft.com/office/drawing/2014/main" id="{53A24149-D6EB-E823-89AE-6D2C763950FD}"/>
+                </a:ext>
+              </a:extLst>
+            </p:cNvPr>
+            <p:cNvSpPr txBox="1"/>
+            <p:nvPr/>
+          </p:nvSpPr>
+          <p:spPr>
+            <a:xfrm>
+              <a:off x="8896350" y="1008359"/>
+              <a:ext cx="960120" cy="246221"/>
+            </a:xfrm>
+            <a:prstGeom prst="rect">
+              <a:avLst/>
+            </a:prstGeom>
+            <a:noFill/>
+          </p:spPr>
+          <p:txBody>
+            <a:bodyPr wrap="square" rtlCol="0">
+              <a:spAutoFit/>
+            </a:bodyPr>
+            <a:lstStyle/>
+            <a:p>
+              <a:pPr algn="ctr"/>
+              <a:r>
+                <a:rPr lang="de-DE" sz="500" dirty="0"/>
+                <a:t>2 Wochen Pause aufgrund von Prüfungen</a:t>
+              </a:r>
+            </a:p>
+          </p:txBody>
+        </p:sp>
+      </p:grpSp>
+      <p:sp>
+        <p:nvSpPr>
+          <p:cNvPr id="50" name="TextBox 49">
+            <a:extLst>
+              <a:ext uri="{FF2B5EF4-FFF2-40B4-BE49-F238E27FC236}">
+                <a16:creationId xmlns:a16="http://schemas.microsoft.com/office/drawing/2014/main" id="{09222FBA-BAF2-179B-51A4-E0D871C6208D}"/>
+              </a:ext>
+            </a:extLst>
+          </p:cNvPr>
+          <p:cNvSpPr txBox="1"/>
+          <p:nvPr/>
+        </p:nvSpPr>
+        <p:spPr>
+          <a:xfrm>
+            <a:off x="11038866" y="5907628"/>
+            <a:ext cx="1215477" cy="861774"/>
+          </a:xfrm>
+          <a:prstGeom prst="rect">
+            <a:avLst/>
+          </a:prstGeom>
+          <a:noFill/>
+        </p:spPr>
+        <p:txBody>
+          <a:bodyPr wrap="square" rtlCol="0">
+            <a:spAutoFit/>
+          </a:bodyPr>
+          <a:lstStyle/>
+          <a:p>
+            <a:r>
+              <a:rPr lang="de-DE" sz="500" dirty="0"/>
+              <a:t>V.-Nr = Vorgangsnummer</a:t>
+            </a:r>
+          </a:p>
+          <a:p>
+            <a:r>
+              <a:rPr lang="de-DE" sz="500" dirty="0"/>
+              <a:t>V = Verantworlicher</a:t>
+            </a:r>
+          </a:p>
+          <a:p>
+            <a:r>
+              <a:rPr lang="de-DE" sz="500" dirty="0"/>
+              <a:t>D = Dauer (in Tage)</a:t>
+            </a:r>
+          </a:p>
+          <a:p>
+            <a:r>
+              <a:rPr lang="de-DE" sz="500" dirty="0"/>
+              <a:t>Vorgangsbezeichnung</a:t>
+            </a:r>
+          </a:p>
+          <a:p>
+            <a:r>
+              <a:rPr lang="de-DE" sz="500" dirty="0"/>
+              <a:t>FAZ = Frühester Anfangszeitpunkt</a:t>
+            </a:r>
+          </a:p>
+          <a:p>
+            <a:r>
+              <a:rPr lang="de-DE" sz="500" dirty="0"/>
+              <a:t>GP = Gesamtpuffer</a:t>
+            </a:r>
+          </a:p>
+          <a:p>
+            <a:r>
+              <a:rPr lang="de-DE" sz="500" dirty="0"/>
+              <a:t>FEZ = Frühester Endzeitpunkt</a:t>
+            </a:r>
+          </a:p>
+          <a:p>
+            <a:r>
+              <a:rPr lang="de-DE" sz="500" dirty="0"/>
+              <a:t>SAZ = Spätester Anfangszeitpunkt</a:t>
+            </a:r>
+          </a:p>
+          <a:p>
+            <a:r>
+              <a:rPr lang="de-DE" sz="500" dirty="0"/>
+              <a:t>FP = Freier Puffer</a:t>
+            </a:r>
+          </a:p>
+          <a:p>
+            <a:r>
+              <a:rPr lang="de-DE" sz="500" dirty="0"/>
+              <a:t>SEZ = Spätester Endzeitpunkt</a:t>
+            </a:r>
+          </a:p>
+        </p:txBody>
+      </p:sp>
+      <p:sp>
+        <p:nvSpPr>
+          <p:cNvPr id="51" name="TextBox 50">
+            <a:extLst>
+              <a:ext uri="{FF2B5EF4-FFF2-40B4-BE49-F238E27FC236}">
+                <a16:creationId xmlns:a16="http://schemas.microsoft.com/office/drawing/2014/main" id="{4C240A66-E063-DB50-DAFC-1866948E8EE1}"/>
+              </a:ext>
+            </a:extLst>
+          </p:cNvPr>
+          <p:cNvSpPr txBox="1"/>
+          <p:nvPr/>
+        </p:nvSpPr>
+        <p:spPr>
+          <a:xfrm>
+            <a:off x="9915307" y="5772517"/>
+            <a:ext cx="749022" cy="215444"/>
+          </a:xfrm>
+          <a:prstGeom prst="rect">
+            <a:avLst/>
+          </a:prstGeom>
+          <a:noFill/>
+        </p:spPr>
+        <p:txBody>
+          <a:bodyPr wrap="square" rtlCol="0">
+            <a:spAutoFit/>
+          </a:bodyPr>
+          <a:lstStyle/>
+          <a:p>
+            <a:r>
+              <a:rPr lang="de-DE" sz="800" b="1" dirty="0"/>
+              <a:t>Legende</a:t>
+            </a:r>
+          </a:p>
+        </p:txBody>
+      </p:sp>
+      <p:grpSp>
+        <p:nvGrpSpPr>
+          <p:cNvPr id="52" name="Group 51">
+            <a:extLst>
+              <a:ext uri="{FF2B5EF4-FFF2-40B4-BE49-F238E27FC236}">
+                <a16:creationId xmlns:a16="http://schemas.microsoft.com/office/drawing/2014/main" id="{7F3F85D3-81D9-CC36-DE5E-15D778265A99}"/>
+              </a:ext>
+            </a:extLst>
+          </p:cNvPr>
+          <p:cNvGrpSpPr/>
+          <p:nvPr/>
+        </p:nvGrpSpPr>
+        <p:grpSpPr>
+          <a:xfrm>
+            <a:off x="8706268" y="179513"/>
+            <a:ext cx="867601" cy="605392"/>
+            <a:chOff x="3156856" y="1368777"/>
+            <a:chExt cx="1501139" cy="1211474"/>
+          </a:xfrm>
+        </p:grpSpPr>
+        <p:sp>
+          <p:nvSpPr>
+            <p:cNvPr id="54" name="Rectangle 53">
+              <a:extLst>
+                <a:ext uri="{FF2B5EF4-FFF2-40B4-BE49-F238E27FC236}">
+                  <a16:creationId xmlns:a16="http://schemas.microsoft.com/office/drawing/2014/main" id="{0B1AFAE9-F535-74DE-9371-B9CB30C74915}"/>
+                </a:ext>
+              </a:extLst>
+            </p:cNvPr>
+            <p:cNvSpPr/>
+            <p:nvPr/>
+          </p:nvSpPr>
+          <p:spPr>
+            <a:xfrm>
+              <a:off x="3162300" y="1381601"/>
+              <a:ext cx="1475012" cy="677654"/>
+            </a:xfrm>
+            <a:prstGeom prst="rect">
+              <a:avLst/>
+            </a:prstGeom>
+            <a:noFill/>
+          </p:spPr>
+          <p:style>
+            <a:lnRef idx="2">
+              <a:schemeClr val="accent1">
+                <a:shade val="15000"/>
+              </a:schemeClr>
+            </a:lnRef>
+            <a:fillRef idx="1">
+              <a:schemeClr val="accent1"/>
+            </a:fillRef>
+            <a:effectRef idx="0">
+              <a:schemeClr val="accent1"/>
+            </a:effectRef>
+            <a:fontRef idx="minor">
+              <a:schemeClr val="lt1"/>
+            </a:fontRef>
+          </p:style>
+          <p:txBody>
+            <a:bodyPr rtlCol="0" anchor="ctr"/>
+            <a:lstStyle/>
+            <a:p>
+              <a:pPr algn="ctr"/>
+              <a:endParaRPr lang="de-DE" sz="300">
+                <a:latin typeface="Arial" panose="020B0604020202020204" pitchFamily="34" charset="0"/>
+                <a:cs typeface="Arial" panose="020B0604020202020204" pitchFamily="34" charset="0"/>
+              </a:endParaRPr>
+            </a:p>
+          </p:txBody>
+        </p:sp>
+        <p:sp>
+          <p:nvSpPr>
+            <p:cNvPr id="56" name="Rectangle 55">
+              <a:extLst>
+                <a:ext uri="{FF2B5EF4-FFF2-40B4-BE49-F238E27FC236}">
+                  <a16:creationId xmlns:a16="http://schemas.microsoft.com/office/drawing/2014/main" id="{FB933091-290C-43AA-E9C2-19412DB5497C}"/>
+                </a:ext>
+              </a:extLst>
+            </p:cNvPr>
+            <p:cNvSpPr/>
+            <p:nvPr/>
+          </p:nvSpPr>
+          <p:spPr>
+            <a:xfrm>
+              <a:off x="3156856" y="1623059"/>
+              <a:ext cx="1475012" cy="423693"/>
+            </a:xfrm>
+            <a:prstGeom prst="rect">
+              <a:avLst/>
+            </a:prstGeom>
+            <a:solidFill>
+              <a:schemeClr val="accent6"/>
+            </a:solidFill>
+          </p:spPr>
+          <p:style>
+            <a:lnRef idx="2">
+              <a:schemeClr val="accent1">
+                <a:shade val="15000"/>
+              </a:schemeClr>
+            </a:lnRef>
+            <a:fillRef idx="1">
+              <a:schemeClr val="accent1"/>
+            </a:fillRef>
+            <a:effectRef idx="0">
+              <a:schemeClr val="accent1"/>
+            </a:effectRef>
+            <a:fontRef idx="minor">
+              <a:schemeClr val="lt1"/>
+            </a:fontRef>
+          </p:style>
+          <p:txBody>
+            <a:bodyPr rtlCol="0" anchor="ctr"/>
+            <a:lstStyle/>
+            <a:p>
+              <a:pPr algn="ctr"/>
+              <a:endParaRPr lang="de-DE" sz="300">
+                <a:latin typeface="Arial" panose="020B0604020202020204" pitchFamily="34" charset="0"/>
+                <a:cs typeface="Arial" panose="020B0604020202020204" pitchFamily="34" charset="0"/>
+              </a:endParaRPr>
+            </a:p>
+          </p:txBody>
+        </p:sp>
+        <p:sp>
+          <p:nvSpPr>
+            <p:cNvPr id="83" name="Rectangle 82">
+              <a:extLst>
+                <a:ext uri="{FF2B5EF4-FFF2-40B4-BE49-F238E27FC236}">
+                  <a16:creationId xmlns:a16="http://schemas.microsoft.com/office/drawing/2014/main" id="{A60C2496-6CA6-90F1-3A60-DDE3AE480CD9}"/>
+                </a:ext>
+              </a:extLst>
+            </p:cNvPr>
+            <p:cNvSpPr/>
+            <p:nvPr/>
+          </p:nvSpPr>
+          <p:spPr>
+            <a:xfrm>
+              <a:off x="3156857" y="1375954"/>
+              <a:ext cx="500743" cy="247106"/>
+            </a:xfrm>
+            <a:prstGeom prst="rect">
+              <a:avLst/>
+            </a:prstGeom>
+            <a:solidFill>
+              <a:schemeClr val="bg1">
+                <a:lumMod val="95000"/>
+              </a:schemeClr>
+            </a:solidFill>
+          </p:spPr>
+          <p:style>
+            <a:lnRef idx="2">
+              <a:schemeClr val="accent1">
+                <a:shade val="15000"/>
+              </a:schemeClr>
+            </a:lnRef>
+            <a:fillRef idx="1">
+              <a:schemeClr val="accent1"/>
+            </a:fillRef>
+            <a:effectRef idx="0">
+              <a:schemeClr val="accent1"/>
+            </a:effectRef>
+            <a:fontRef idx="minor">
+              <a:schemeClr val="lt1"/>
+            </a:fontRef>
+          </p:style>
+          <p:txBody>
+            <a:bodyPr rtlCol="0" anchor="ctr"/>
+            <a:lstStyle/>
+            <a:p>
+              <a:pPr algn="ctr"/>
+              <a:endParaRPr lang="de-DE" sz="300">
+                <a:latin typeface="Arial" panose="020B0604020202020204" pitchFamily="34" charset="0"/>
+                <a:cs typeface="Arial" panose="020B0604020202020204" pitchFamily="34" charset="0"/>
+              </a:endParaRPr>
+            </a:p>
+          </p:txBody>
+        </p:sp>
+        <p:sp>
+          <p:nvSpPr>
+            <p:cNvPr id="85" name="Rectangle 84">
+              <a:extLst>
+                <a:ext uri="{FF2B5EF4-FFF2-40B4-BE49-F238E27FC236}">
+                  <a16:creationId xmlns:a16="http://schemas.microsoft.com/office/drawing/2014/main" id="{5E33827F-9BB3-F54A-DDF6-1E415CCDB55E}"/>
+                </a:ext>
+              </a:extLst>
+            </p:cNvPr>
+            <p:cNvSpPr/>
+            <p:nvPr/>
+          </p:nvSpPr>
+          <p:spPr>
+            <a:xfrm>
+              <a:off x="4136571" y="1375954"/>
+              <a:ext cx="500743" cy="247106"/>
+            </a:xfrm>
+            <a:prstGeom prst="rect">
+              <a:avLst/>
+            </a:prstGeom>
+            <a:solidFill>
+              <a:schemeClr val="bg1">
+                <a:lumMod val="75000"/>
+              </a:schemeClr>
+            </a:solidFill>
+          </p:spPr>
+          <p:style>
+            <a:lnRef idx="2">
+              <a:schemeClr val="accent1">
+                <a:shade val="15000"/>
+              </a:schemeClr>
+            </a:lnRef>
+            <a:fillRef idx="1">
+              <a:schemeClr val="accent1"/>
+            </a:fillRef>
+            <a:effectRef idx="0">
+              <a:schemeClr val="accent1"/>
+            </a:effectRef>
+            <a:fontRef idx="minor">
+              <a:schemeClr val="lt1"/>
+            </a:fontRef>
+          </p:style>
+          <p:txBody>
+            <a:bodyPr rtlCol="0" anchor="ctr"/>
+            <a:lstStyle/>
+            <a:p>
+              <a:pPr algn="ctr"/>
+              <a:endParaRPr lang="de-DE" sz="300">
+                <a:latin typeface="Arial" panose="020B0604020202020204" pitchFamily="34" charset="0"/>
+                <a:cs typeface="Arial" panose="020B0604020202020204" pitchFamily="34" charset="0"/>
+              </a:endParaRPr>
+            </a:p>
+          </p:txBody>
+        </p:sp>
+        <p:sp>
+          <p:nvSpPr>
+            <p:cNvPr id="87" name="Rectangle 86">
+              <a:extLst>
+                <a:ext uri="{FF2B5EF4-FFF2-40B4-BE49-F238E27FC236}">
+                  <a16:creationId xmlns:a16="http://schemas.microsoft.com/office/drawing/2014/main" id="{116A3CEC-BA8F-7E73-6C09-1DBD3F7115CB}"/>
+                </a:ext>
+              </a:extLst>
+            </p:cNvPr>
+            <p:cNvSpPr/>
+            <p:nvPr/>
+          </p:nvSpPr>
+          <p:spPr>
+            <a:xfrm>
+              <a:off x="3156857" y="2053046"/>
+              <a:ext cx="500743" cy="231866"/>
+            </a:xfrm>
+            <a:prstGeom prst="rect">
+              <a:avLst/>
+            </a:prstGeom>
+            <a:solidFill>
+              <a:schemeClr val="accent6">
+                <a:lumMod val="40000"/>
+                <a:lumOff val="60000"/>
+              </a:schemeClr>
+            </a:solidFill>
+          </p:spPr>
+          <p:style>
+            <a:lnRef idx="2">
+              <a:schemeClr val="accent1">
+                <a:shade val="15000"/>
+              </a:schemeClr>
+            </a:lnRef>
+            <a:fillRef idx="1">
+              <a:schemeClr val="accent1"/>
+            </a:fillRef>
+            <a:effectRef idx="0">
+              <a:schemeClr val="accent1"/>
+            </a:effectRef>
+            <a:fontRef idx="minor">
+              <a:schemeClr val="lt1"/>
+            </a:fontRef>
+          </p:style>
+          <p:txBody>
+            <a:bodyPr rtlCol="0" anchor="ctr"/>
+            <a:lstStyle/>
+            <a:p>
+              <a:pPr algn="ctr"/>
+              <a:endParaRPr lang="de-DE" sz="300">
+                <a:latin typeface="Arial" panose="020B0604020202020204" pitchFamily="34" charset="0"/>
+                <a:cs typeface="Arial" panose="020B0604020202020204" pitchFamily="34" charset="0"/>
+              </a:endParaRPr>
+            </a:p>
+          </p:txBody>
+        </p:sp>
+        <p:sp>
+          <p:nvSpPr>
+            <p:cNvPr id="89" name="Rectangle 88">
+              <a:extLst>
+                <a:ext uri="{FF2B5EF4-FFF2-40B4-BE49-F238E27FC236}">
+                  <a16:creationId xmlns:a16="http://schemas.microsoft.com/office/drawing/2014/main" id="{18A6C88B-3F76-D39C-62C9-B084E7A4110C}"/>
+                </a:ext>
+              </a:extLst>
+            </p:cNvPr>
+            <p:cNvSpPr/>
+            <p:nvPr/>
+          </p:nvSpPr>
+          <p:spPr>
+            <a:xfrm>
+              <a:off x="4136570" y="2053046"/>
+              <a:ext cx="500743" cy="231866"/>
+            </a:xfrm>
+            <a:prstGeom prst="rect">
+              <a:avLst/>
+            </a:prstGeom>
+            <a:solidFill>
+              <a:schemeClr val="accent6">
+                <a:lumMod val="60000"/>
+                <a:lumOff val="40000"/>
+              </a:schemeClr>
+            </a:solidFill>
+          </p:spPr>
+          <p:style>
+            <a:lnRef idx="2">
+              <a:schemeClr val="accent1">
+                <a:shade val="15000"/>
+              </a:schemeClr>
+            </a:lnRef>
+            <a:fillRef idx="1">
+              <a:schemeClr val="accent1"/>
+            </a:fillRef>
+            <a:effectRef idx="0">
+              <a:schemeClr val="accent1"/>
+            </a:effectRef>
+            <a:fontRef idx="minor">
+              <a:schemeClr val="lt1"/>
+            </a:fontRef>
+          </p:style>
+          <p:txBody>
+            <a:bodyPr rtlCol="0" anchor="ctr"/>
+            <a:lstStyle/>
+            <a:p>
+              <a:pPr algn="ctr"/>
+              <a:endParaRPr lang="de-DE" sz="300">
+                <a:latin typeface="Arial" panose="020B0604020202020204" pitchFamily="34" charset="0"/>
+                <a:cs typeface="Arial" panose="020B0604020202020204" pitchFamily="34" charset="0"/>
+              </a:endParaRPr>
+            </a:p>
+          </p:txBody>
+        </p:sp>
+        <p:sp>
+          <p:nvSpPr>
+            <p:cNvPr id="91" name="TextBox 90">
+              <a:extLst>
+                <a:ext uri="{FF2B5EF4-FFF2-40B4-BE49-F238E27FC236}">
+                  <a16:creationId xmlns:a16="http://schemas.microsoft.com/office/drawing/2014/main" id="{132F6B9F-05A6-28F1-9893-6258303F14D6}"/>
+                </a:ext>
+              </a:extLst>
+            </p:cNvPr>
+            <p:cNvSpPr txBox="1"/>
+            <p:nvPr/>
+          </p:nvSpPr>
+          <p:spPr>
+            <a:xfrm>
+              <a:off x="3164478" y="1375953"/>
+              <a:ext cx="500742" cy="277156"/>
+            </a:xfrm>
+            <a:prstGeom prst="rect">
+              <a:avLst/>
+            </a:prstGeom>
+            <a:noFill/>
+          </p:spPr>
+          <p:txBody>
+            <a:bodyPr wrap="square" rtlCol="0">
+              <a:spAutoFit/>
+            </a:bodyPr>
+            <a:lstStyle/>
+            <a:p>
+              <a:pPr algn="ctr"/>
+              <a:r>
+                <a:rPr lang="de-DE" sz="300" dirty="0">
+                  <a:latin typeface="Arial" panose="020B0604020202020204" pitchFamily="34" charset="0"/>
+                  <a:cs typeface="Arial" panose="020B0604020202020204" pitchFamily="34" charset="0"/>
+                </a:rPr>
+                <a:t>10.00</a:t>
+              </a:r>
+            </a:p>
+          </p:txBody>
+        </p:sp>
+        <p:sp>
+          <p:nvSpPr>
+            <p:cNvPr id="92" name="TextBox 91">
+              <a:extLst>
+                <a:ext uri="{FF2B5EF4-FFF2-40B4-BE49-F238E27FC236}">
+                  <a16:creationId xmlns:a16="http://schemas.microsoft.com/office/drawing/2014/main" id="{1C6D7357-7371-64A2-F36A-35F7B01DDDA3}"/>
+                </a:ext>
+              </a:extLst>
+            </p:cNvPr>
+            <p:cNvSpPr txBox="1"/>
+            <p:nvPr/>
+          </p:nvSpPr>
+          <p:spPr>
+            <a:xfrm>
+              <a:off x="3677191" y="1368777"/>
+              <a:ext cx="500743" cy="269444"/>
+            </a:xfrm>
+            <a:prstGeom prst="rect">
+              <a:avLst/>
+            </a:prstGeom>
+            <a:noFill/>
+          </p:spPr>
+          <p:txBody>
+            <a:bodyPr wrap="square" rtlCol="0">
+              <a:spAutoFit/>
+            </a:bodyPr>
+            <a:lstStyle/>
+            <a:p>
+              <a:pPr algn="ctr"/>
+              <a:r>
+                <a:rPr lang="de-DE" sz="300" dirty="0">
+                  <a:latin typeface="Arial" panose="020B0604020202020204" pitchFamily="34" charset="0"/>
+                  <a:cs typeface="Arial" panose="020B0604020202020204" pitchFamily="34" charset="0"/>
+                </a:rPr>
+                <a:t>V</a:t>
+              </a:r>
+            </a:p>
+          </p:txBody>
+        </p:sp>
+        <p:sp>
+          <p:nvSpPr>
+            <p:cNvPr id="93" name="TextBox 92">
+              <a:extLst>
+                <a:ext uri="{FF2B5EF4-FFF2-40B4-BE49-F238E27FC236}">
+                  <a16:creationId xmlns:a16="http://schemas.microsoft.com/office/drawing/2014/main" id="{E42379DE-8DEA-8311-61D3-4C99DE963EE3}"/>
+                </a:ext>
+              </a:extLst>
+            </p:cNvPr>
+            <p:cNvSpPr txBox="1"/>
+            <p:nvPr/>
+          </p:nvSpPr>
+          <p:spPr>
+            <a:xfrm>
+              <a:off x="4170317" y="1383573"/>
+              <a:ext cx="478971" cy="277156"/>
+            </a:xfrm>
+            <a:prstGeom prst="rect">
+              <a:avLst/>
+            </a:prstGeom>
+            <a:noFill/>
+          </p:spPr>
+          <p:txBody>
+            <a:bodyPr wrap="square" rtlCol="0">
+              <a:spAutoFit/>
+            </a:bodyPr>
+            <a:lstStyle/>
+            <a:p>
+              <a:pPr algn="ctr"/>
+              <a:r>
+                <a:rPr lang="de-DE" sz="300" dirty="0">
+                  <a:latin typeface="Arial" panose="020B0604020202020204" pitchFamily="34" charset="0"/>
+                  <a:cs typeface="Arial" panose="020B0604020202020204" pitchFamily="34" charset="0"/>
+                </a:rPr>
+                <a:t>4</a:t>
+              </a:r>
+            </a:p>
+          </p:txBody>
+        </p:sp>
+        <p:sp>
+          <p:nvSpPr>
+            <p:cNvPr id="95" name="TextBox 94">
+              <a:extLst>
+                <a:ext uri="{FF2B5EF4-FFF2-40B4-BE49-F238E27FC236}">
+                  <a16:creationId xmlns:a16="http://schemas.microsoft.com/office/drawing/2014/main" id="{A8E2F13D-549E-4670-6945-9C2987996D4D}"/>
+                </a:ext>
+              </a:extLst>
+            </p:cNvPr>
+            <p:cNvSpPr txBox="1"/>
+            <p:nvPr/>
+          </p:nvSpPr>
+          <p:spPr>
+            <a:xfrm>
+              <a:off x="3161209" y="2061107"/>
+              <a:ext cx="500742" cy="277156"/>
+            </a:xfrm>
+            <a:prstGeom prst="rect">
+              <a:avLst/>
+            </a:prstGeom>
+            <a:noFill/>
+          </p:spPr>
+          <p:txBody>
+            <a:bodyPr wrap="square" rtlCol="0">
+              <a:spAutoFit/>
+            </a:bodyPr>
+            <a:lstStyle/>
+            <a:p>
+              <a:pPr algn="ctr"/>
+              <a:r>
+                <a:rPr lang="de-DE" sz="300" dirty="0">
+                  <a:latin typeface="Arial" panose="020B0604020202020204" pitchFamily="34" charset="0"/>
+                  <a:cs typeface="Arial" panose="020B0604020202020204" pitchFamily="34" charset="0"/>
+                </a:rPr>
+                <a:t>13.02.</a:t>
+              </a:r>
+            </a:p>
+          </p:txBody>
+        </p:sp>
+        <p:sp>
+          <p:nvSpPr>
+            <p:cNvPr id="96" name="TextBox 95">
+              <a:extLst>
+                <a:ext uri="{FF2B5EF4-FFF2-40B4-BE49-F238E27FC236}">
+                  <a16:creationId xmlns:a16="http://schemas.microsoft.com/office/drawing/2014/main" id="{7EDF4217-C88C-8954-AB8A-83DEB1A9F165}"/>
+                </a:ext>
+              </a:extLst>
+            </p:cNvPr>
+            <p:cNvSpPr txBox="1"/>
+            <p:nvPr/>
+          </p:nvSpPr>
+          <p:spPr>
+            <a:xfrm>
+              <a:off x="3677191" y="2051772"/>
+              <a:ext cx="500743" cy="269444"/>
+            </a:xfrm>
+            <a:prstGeom prst="rect">
+              <a:avLst/>
+            </a:prstGeom>
+            <a:noFill/>
+          </p:spPr>
+          <p:txBody>
+            <a:bodyPr wrap="square" rtlCol="0">
+              <a:spAutoFit/>
+            </a:bodyPr>
+            <a:lstStyle/>
+            <a:p>
+              <a:pPr algn="ctr"/>
+              <a:r>
+                <a:rPr lang="de-DE" sz="300" dirty="0">
+                  <a:latin typeface="Arial" panose="020B0604020202020204" pitchFamily="34" charset="0"/>
+                  <a:cs typeface="Arial" panose="020B0604020202020204" pitchFamily="34" charset="0"/>
+                </a:rPr>
+                <a:t>GP</a:t>
+              </a:r>
+            </a:p>
+          </p:txBody>
+        </p:sp>
+        <p:sp>
+          <p:nvSpPr>
+            <p:cNvPr id="97" name="TextBox 96">
+              <a:extLst>
+                <a:ext uri="{FF2B5EF4-FFF2-40B4-BE49-F238E27FC236}">
+                  <a16:creationId xmlns:a16="http://schemas.microsoft.com/office/drawing/2014/main" id="{601FF2F7-8E8F-0DBE-FB43-23B5D489CC7B}"/>
+                </a:ext>
+              </a:extLst>
+            </p:cNvPr>
+            <p:cNvSpPr txBox="1"/>
+            <p:nvPr/>
+          </p:nvSpPr>
+          <p:spPr>
+            <a:xfrm>
+              <a:off x="4157253" y="2059256"/>
+              <a:ext cx="500742" cy="277156"/>
+            </a:xfrm>
+            <a:prstGeom prst="rect">
+              <a:avLst/>
+            </a:prstGeom>
+            <a:noFill/>
+          </p:spPr>
+          <p:txBody>
+            <a:bodyPr wrap="square" rtlCol="0">
+              <a:spAutoFit/>
+            </a:bodyPr>
+            <a:lstStyle/>
+            <a:p>
+              <a:pPr algn="ctr"/>
+              <a:r>
+                <a:rPr lang="de-DE" sz="300" dirty="0">
+                  <a:latin typeface="Arial" panose="020B0604020202020204" pitchFamily="34" charset="0"/>
+                  <a:cs typeface="Arial" panose="020B0604020202020204" pitchFamily="34" charset="0"/>
+                </a:rPr>
+                <a:t>16.02.</a:t>
+              </a:r>
+            </a:p>
+          </p:txBody>
+        </p:sp>
+        <p:sp>
+          <p:nvSpPr>
+            <p:cNvPr id="98" name="Rectangle 97">
+              <a:extLst>
+                <a:ext uri="{FF2B5EF4-FFF2-40B4-BE49-F238E27FC236}">
+                  <a16:creationId xmlns:a16="http://schemas.microsoft.com/office/drawing/2014/main" id="{28F169BA-7FDC-D415-92CB-5C320E451D69}"/>
+                </a:ext>
+              </a:extLst>
+            </p:cNvPr>
+            <p:cNvSpPr/>
+            <p:nvPr/>
+          </p:nvSpPr>
+          <p:spPr>
+            <a:xfrm>
+              <a:off x="3161210" y="2288935"/>
+              <a:ext cx="494213" cy="239817"/>
+            </a:xfrm>
+            <a:prstGeom prst="rect">
+              <a:avLst/>
+            </a:prstGeom>
+            <a:solidFill>
+              <a:schemeClr val="accent3">
+                <a:lumMod val="40000"/>
+                <a:lumOff val="60000"/>
+              </a:schemeClr>
+            </a:solidFill>
+          </p:spPr>
+          <p:style>
+            <a:lnRef idx="2">
+              <a:schemeClr val="accent1">
+                <a:shade val="15000"/>
+              </a:schemeClr>
+            </a:lnRef>
+            <a:fillRef idx="1">
+              <a:schemeClr val="accent1"/>
+            </a:fillRef>
+            <a:effectRef idx="0">
+              <a:schemeClr val="accent1"/>
+            </a:effectRef>
+            <a:fontRef idx="minor">
+              <a:schemeClr val="lt1"/>
+            </a:fontRef>
+          </p:style>
+          <p:txBody>
+            <a:bodyPr rtlCol="0" anchor="ctr"/>
+            <a:lstStyle/>
+            <a:p>
+              <a:pPr algn="ctr"/>
+              <a:endParaRPr lang="de-DE" sz="300">
+                <a:latin typeface="Arial" panose="020B0604020202020204" pitchFamily="34" charset="0"/>
+                <a:cs typeface="Arial" panose="020B0604020202020204" pitchFamily="34" charset="0"/>
+              </a:endParaRPr>
+            </a:p>
+          </p:txBody>
+        </p:sp>
+        <p:sp>
+          <p:nvSpPr>
+            <p:cNvPr id="99" name="Rectangle 98">
+              <a:extLst>
+                <a:ext uri="{FF2B5EF4-FFF2-40B4-BE49-F238E27FC236}">
+                  <a16:creationId xmlns:a16="http://schemas.microsoft.com/office/drawing/2014/main" id="{D0E5D1CE-4211-D40F-E419-C014C1B67087}"/>
+                </a:ext>
+              </a:extLst>
+            </p:cNvPr>
+            <p:cNvSpPr/>
+            <p:nvPr/>
+          </p:nvSpPr>
+          <p:spPr>
+            <a:xfrm>
+              <a:off x="3656510" y="2269672"/>
+              <a:ext cx="477882" cy="256919"/>
+            </a:xfrm>
+            <a:prstGeom prst="rect">
+              <a:avLst/>
+            </a:prstGeom>
+            <a:solidFill>
+              <a:schemeClr val="accent1">
+                <a:lumMod val="40000"/>
+                <a:lumOff val="60000"/>
+              </a:schemeClr>
+            </a:solidFill>
+          </p:spPr>
+          <p:style>
+            <a:lnRef idx="2">
+              <a:schemeClr val="accent1">
+                <a:shade val="15000"/>
+              </a:schemeClr>
+            </a:lnRef>
+            <a:fillRef idx="1">
+              <a:schemeClr val="accent1"/>
+            </a:fillRef>
+            <a:effectRef idx="0">
+              <a:schemeClr val="accent1"/>
+            </a:effectRef>
+            <a:fontRef idx="minor">
+              <a:schemeClr val="lt1"/>
+            </a:fontRef>
+          </p:style>
+          <p:txBody>
+            <a:bodyPr rtlCol="0" anchor="ctr"/>
+            <a:lstStyle/>
+            <a:p>
+              <a:pPr algn="ctr"/>
+              <a:endParaRPr lang="de-DE" sz="300">
+                <a:latin typeface="Arial" panose="020B0604020202020204" pitchFamily="34" charset="0"/>
+                <a:cs typeface="Arial" panose="020B0604020202020204" pitchFamily="34" charset="0"/>
+              </a:endParaRPr>
+            </a:p>
+          </p:txBody>
+        </p:sp>
+        <p:sp>
+          <p:nvSpPr>
+            <p:cNvPr id="101" name="Rectangle 100">
+              <a:extLst>
+                <a:ext uri="{FF2B5EF4-FFF2-40B4-BE49-F238E27FC236}">
+                  <a16:creationId xmlns:a16="http://schemas.microsoft.com/office/drawing/2014/main" id="{332544EF-C5B6-BFC6-C643-C9AA89B15E41}"/>
+                </a:ext>
+              </a:extLst>
+            </p:cNvPr>
+            <p:cNvSpPr/>
+            <p:nvPr/>
+          </p:nvSpPr>
+          <p:spPr>
+            <a:xfrm>
+              <a:off x="4136570" y="2288935"/>
+              <a:ext cx="500743" cy="239817"/>
+            </a:xfrm>
+            <a:prstGeom prst="rect">
+              <a:avLst/>
+            </a:prstGeom>
+            <a:solidFill>
+              <a:schemeClr val="accent3">
+                <a:lumMod val="60000"/>
+                <a:lumOff val="40000"/>
+              </a:schemeClr>
+            </a:solidFill>
+          </p:spPr>
+          <p:style>
+            <a:lnRef idx="2">
+              <a:schemeClr val="accent1">
+                <a:shade val="15000"/>
+              </a:schemeClr>
+            </a:lnRef>
+            <a:fillRef idx="1">
+              <a:schemeClr val="accent1"/>
+            </a:fillRef>
+            <a:effectRef idx="0">
+              <a:schemeClr val="accent1"/>
+            </a:effectRef>
+            <a:fontRef idx="minor">
+              <a:schemeClr val="lt1"/>
+            </a:fontRef>
+          </p:style>
+          <p:txBody>
+            <a:bodyPr rtlCol="0" anchor="ctr"/>
+            <a:lstStyle/>
+            <a:p>
+              <a:pPr algn="ctr"/>
+              <a:endParaRPr lang="de-DE" sz="300">
+                <a:latin typeface="Arial" panose="020B0604020202020204" pitchFamily="34" charset="0"/>
+                <a:cs typeface="Arial" panose="020B0604020202020204" pitchFamily="34" charset="0"/>
+              </a:endParaRPr>
+            </a:p>
+          </p:txBody>
+        </p:sp>
+        <p:sp>
+          <p:nvSpPr>
+            <p:cNvPr id="102" name="TextBox 101">
+              <a:extLst>
+                <a:ext uri="{FF2B5EF4-FFF2-40B4-BE49-F238E27FC236}">
+                  <a16:creationId xmlns:a16="http://schemas.microsoft.com/office/drawing/2014/main" id="{5629ABBF-54D2-773F-EDD1-2BFF25FBE0F4}"/>
+                </a:ext>
+              </a:extLst>
+            </p:cNvPr>
+            <p:cNvSpPr txBox="1"/>
+            <p:nvPr/>
+          </p:nvSpPr>
+          <p:spPr>
+            <a:xfrm>
+              <a:off x="3176451" y="2297330"/>
+              <a:ext cx="500742" cy="277156"/>
+            </a:xfrm>
+            <a:prstGeom prst="rect">
+              <a:avLst/>
+            </a:prstGeom>
+            <a:noFill/>
+          </p:spPr>
+          <p:txBody>
+            <a:bodyPr wrap="square" rtlCol="0">
+              <a:spAutoFit/>
+            </a:bodyPr>
+            <a:lstStyle/>
+            <a:p>
+              <a:pPr algn="ctr"/>
+              <a:r>
+                <a:rPr lang="de-DE" sz="300" dirty="0">
+                  <a:latin typeface="Arial" panose="020B0604020202020204" pitchFamily="34" charset="0"/>
+                  <a:cs typeface="Arial" panose="020B0604020202020204" pitchFamily="34" charset="0"/>
+                </a:rPr>
+                <a:t>13.02.</a:t>
+              </a:r>
+            </a:p>
+          </p:txBody>
+        </p:sp>
+        <p:sp>
+          <p:nvSpPr>
+            <p:cNvPr id="104" name="TextBox 103">
+              <a:extLst>
+                <a:ext uri="{FF2B5EF4-FFF2-40B4-BE49-F238E27FC236}">
+                  <a16:creationId xmlns:a16="http://schemas.microsoft.com/office/drawing/2014/main" id="{56CC0506-2B57-4077-4674-5D3D9ACC1F96}"/>
+                </a:ext>
+              </a:extLst>
+            </p:cNvPr>
+            <p:cNvSpPr txBox="1"/>
+            <p:nvPr/>
+          </p:nvSpPr>
+          <p:spPr>
+            <a:xfrm>
+              <a:off x="3654334" y="2282641"/>
+              <a:ext cx="500742" cy="277156"/>
+            </a:xfrm>
+            <a:prstGeom prst="rect">
+              <a:avLst/>
+            </a:prstGeom>
+            <a:noFill/>
+          </p:spPr>
+          <p:txBody>
+            <a:bodyPr wrap="square" rtlCol="0">
+              <a:spAutoFit/>
+            </a:bodyPr>
+            <a:lstStyle/>
+            <a:p>
+              <a:pPr algn="ctr"/>
+              <a:r>
+                <a:rPr lang="de-DE" sz="300" dirty="0">
+                  <a:latin typeface="Arial" panose="020B0604020202020204" pitchFamily="34" charset="0"/>
+                  <a:cs typeface="Arial" panose="020B0604020202020204" pitchFamily="34" charset="0"/>
+                </a:rPr>
+                <a:t>0</a:t>
+              </a:r>
+            </a:p>
+          </p:txBody>
+        </p:sp>
+        <p:sp>
+          <p:nvSpPr>
+            <p:cNvPr id="106" name="TextBox 105">
+              <a:extLst>
+                <a:ext uri="{FF2B5EF4-FFF2-40B4-BE49-F238E27FC236}">
+                  <a16:creationId xmlns:a16="http://schemas.microsoft.com/office/drawing/2014/main" id="{02C31FE0-72B7-AB7C-C97A-B6C9DA24856C}"/>
+                </a:ext>
+              </a:extLst>
+            </p:cNvPr>
+            <p:cNvSpPr txBox="1"/>
+            <p:nvPr/>
+          </p:nvSpPr>
+          <p:spPr>
+            <a:xfrm>
+              <a:off x="4149633" y="2303095"/>
+              <a:ext cx="500742" cy="277156"/>
+            </a:xfrm>
+            <a:prstGeom prst="rect">
+              <a:avLst/>
+            </a:prstGeom>
+            <a:noFill/>
+          </p:spPr>
+          <p:txBody>
+            <a:bodyPr wrap="square" rtlCol="0">
+              <a:spAutoFit/>
+            </a:bodyPr>
+            <a:lstStyle/>
+            <a:p>
+              <a:pPr algn="ctr"/>
+              <a:r>
+                <a:rPr lang="de-DE" sz="300" dirty="0">
+                  <a:latin typeface="Arial" panose="020B0604020202020204" pitchFamily="34" charset="0"/>
+                  <a:cs typeface="Arial" panose="020B0604020202020204" pitchFamily="34" charset="0"/>
+                </a:rPr>
+                <a:t>16.02.</a:t>
+              </a:r>
+            </a:p>
+          </p:txBody>
+        </p:sp>
+        <p:sp>
+          <p:nvSpPr>
+            <p:cNvPr id="108" name="TextBox 107">
+              <a:extLst>
+                <a:ext uri="{FF2B5EF4-FFF2-40B4-BE49-F238E27FC236}">
+                  <a16:creationId xmlns:a16="http://schemas.microsoft.com/office/drawing/2014/main" id="{A2AB920D-656E-E1FC-502E-5E09AA51A7CE}"/>
+                </a:ext>
+              </a:extLst>
+            </p:cNvPr>
+            <p:cNvSpPr txBox="1"/>
+            <p:nvPr/>
+          </p:nvSpPr>
+          <p:spPr>
+            <a:xfrm>
+              <a:off x="3176451" y="1704060"/>
+              <a:ext cx="1471748" cy="277156"/>
+            </a:xfrm>
+            <a:prstGeom prst="rect">
+              <a:avLst/>
+            </a:prstGeom>
+            <a:noFill/>
+          </p:spPr>
+          <p:txBody>
+            <a:bodyPr wrap="square" rtlCol="0">
+              <a:spAutoFit/>
+            </a:bodyPr>
+            <a:lstStyle/>
+            <a:p>
+              <a:pPr algn="ctr"/>
+              <a:r>
+                <a:rPr lang="de-DE" sz="300" dirty="0">
+                  <a:latin typeface="Arial" panose="020B0604020202020204" pitchFamily="34" charset="0"/>
+                  <a:cs typeface="Arial" panose="020B0604020202020204" pitchFamily="34" charset="0"/>
+                </a:rPr>
+                <a:t>Ressourcenplan erstellen</a:t>
+              </a:r>
+            </a:p>
+          </p:txBody>
+        </p:sp>
+        <p:sp>
+          <p:nvSpPr>
+            <p:cNvPr id="109" name="Rectangle 108">
+              <a:extLst>
+                <a:ext uri="{FF2B5EF4-FFF2-40B4-BE49-F238E27FC236}">
+                  <a16:creationId xmlns:a16="http://schemas.microsoft.com/office/drawing/2014/main" id="{33BEC181-44E4-97F3-F38E-FB57A6579A6A}"/>
+                </a:ext>
+              </a:extLst>
+            </p:cNvPr>
+            <p:cNvSpPr/>
+            <p:nvPr/>
+          </p:nvSpPr>
+          <p:spPr>
+            <a:xfrm>
+              <a:off x="3656510" y="2052399"/>
+              <a:ext cx="477882" cy="230242"/>
+            </a:xfrm>
+            <a:prstGeom prst="rect">
+              <a:avLst/>
+            </a:prstGeom>
+            <a:solidFill>
+              <a:schemeClr val="accent1">
+                <a:lumMod val="20000"/>
+                <a:lumOff val="80000"/>
+              </a:schemeClr>
+            </a:solidFill>
+          </p:spPr>
+          <p:style>
+            <a:lnRef idx="2">
+              <a:schemeClr val="accent1">
+                <a:shade val="15000"/>
+              </a:schemeClr>
+            </a:lnRef>
+            <a:fillRef idx="1">
+              <a:schemeClr val="accent1"/>
+            </a:fillRef>
+            <a:effectRef idx="0">
+              <a:schemeClr val="accent1"/>
+            </a:effectRef>
+            <a:fontRef idx="minor">
+              <a:schemeClr val="lt1"/>
+            </a:fontRef>
+          </p:style>
+          <p:txBody>
+            <a:bodyPr rtlCol="0" anchor="ctr"/>
+            <a:lstStyle/>
+            <a:p>
+              <a:pPr algn="ctr"/>
+              <a:endParaRPr lang="de-DE" sz="300">
+                <a:latin typeface="Arial" panose="020B0604020202020204" pitchFamily="34" charset="0"/>
+                <a:cs typeface="Arial" panose="020B0604020202020204" pitchFamily="34" charset="0"/>
+              </a:endParaRPr>
+            </a:p>
+          </p:txBody>
+        </p:sp>
+        <p:sp>
+          <p:nvSpPr>
+            <p:cNvPr id="111" name="Rectangle 110">
+              <a:extLst>
+                <a:ext uri="{FF2B5EF4-FFF2-40B4-BE49-F238E27FC236}">
+                  <a16:creationId xmlns:a16="http://schemas.microsoft.com/office/drawing/2014/main" id="{7AFA77C6-96A7-41A5-6031-AF3D9641177B}"/>
+                </a:ext>
+              </a:extLst>
+            </p:cNvPr>
+            <p:cNvSpPr/>
+            <p:nvPr/>
+          </p:nvSpPr>
+          <p:spPr>
+            <a:xfrm>
+              <a:off x="3652157" y="1375511"/>
+              <a:ext cx="500743" cy="247106"/>
+            </a:xfrm>
+            <a:prstGeom prst="rect">
+              <a:avLst/>
+            </a:prstGeom>
+            <a:solidFill>
+              <a:schemeClr val="bg1">
+                <a:lumMod val="85000"/>
+              </a:schemeClr>
+            </a:solidFill>
+          </p:spPr>
+          <p:style>
+            <a:lnRef idx="2">
+              <a:schemeClr val="accent1">
+                <a:shade val="15000"/>
+              </a:schemeClr>
+            </a:lnRef>
+            <a:fillRef idx="1">
+              <a:schemeClr val="accent1"/>
+            </a:fillRef>
+            <a:effectRef idx="0">
+              <a:schemeClr val="accent1"/>
+            </a:effectRef>
+            <a:fontRef idx="minor">
+              <a:schemeClr val="lt1"/>
+            </a:fontRef>
+          </p:style>
+          <p:txBody>
+            <a:bodyPr rtlCol="0" anchor="ctr"/>
+            <a:lstStyle/>
+            <a:p>
+              <a:pPr algn="ctr"/>
+              <a:endParaRPr lang="de-DE" sz="300">
+                <a:latin typeface="Arial" panose="020B0604020202020204" pitchFamily="34" charset="0"/>
+                <a:cs typeface="Arial" panose="020B0604020202020204" pitchFamily="34" charset="0"/>
+              </a:endParaRPr>
+            </a:p>
+          </p:txBody>
+        </p:sp>
+        <p:sp>
+          <p:nvSpPr>
+            <p:cNvPr id="113" name="TextBox 112">
+              <a:extLst>
+                <a:ext uri="{FF2B5EF4-FFF2-40B4-BE49-F238E27FC236}">
+                  <a16:creationId xmlns:a16="http://schemas.microsoft.com/office/drawing/2014/main" id="{C2E37E49-4F85-7C07-E7CD-C6D2C83EBBD2}"/>
+                </a:ext>
+              </a:extLst>
+            </p:cNvPr>
+            <p:cNvSpPr txBox="1"/>
+            <p:nvPr/>
+          </p:nvSpPr>
+          <p:spPr>
+            <a:xfrm>
+              <a:off x="3651067" y="2060225"/>
+              <a:ext cx="500742" cy="277156"/>
+            </a:xfrm>
+            <a:prstGeom prst="rect">
+              <a:avLst/>
+            </a:prstGeom>
+            <a:noFill/>
+          </p:spPr>
+          <p:txBody>
+            <a:bodyPr wrap="square" rtlCol="0">
+              <a:spAutoFit/>
+            </a:bodyPr>
+            <a:lstStyle/>
+            <a:p>
+              <a:pPr algn="ctr"/>
+              <a:r>
+                <a:rPr lang="de-DE" sz="300" dirty="0">
+                  <a:latin typeface="Arial" panose="020B0604020202020204" pitchFamily="34" charset="0"/>
+                  <a:cs typeface="Arial" panose="020B0604020202020204" pitchFamily="34" charset="0"/>
+                </a:rPr>
+                <a:t>0</a:t>
+              </a:r>
+            </a:p>
+          </p:txBody>
+        </p:sp>
+        <p:sp>
+          <p:nvSpPr>
+            <p:cNvPr id="114" name="TextBox 113">
+              <a:extLst>
+                <a:ext uri="{FF2B5EF4-FFF2-40B4-BE49-F238E27FC236}">
+                  <a16:creationId xmlns:a16="http://schemas.microsoft.com/office/drawing/2014/main" id="{D8036560-318D-36C9-DC82-BA4BA452EA08}"/>
+                </a:ext>
+              </a:extLst>
+            </p:cNvPr>
+            <p:cNvSpPr txBox="1"/>
+            <p:nvPr/>
+          </p:nvSpPr>
+          <p:spPr>
+            <a:xfrm>
+              <a:off x="3654334" y="1384017"/>
+              <a:ext cx="500743" cy="269444"/>
+            </a:xfrm>
+            <a:prstGeom prst="rect">
+              <a:avLst/>
+            </a:prstGeom>
+            <a:noFill/>
+          </p:spPr>
+          <p:txBody>
+            <a:bodyPr wrap="square" rtlCol="0">
+              <a:spAutoFit/>
+            </a:bodyPr>
+            <a:lstStyle/>
+            <a:p>
+              <a:pPr algn="ctr"/>
+              <a:r>
+                <a:rPr lang="de-DE" sz="300" dirty="0">
+                  <a:latin typeface="Arial" panose="020B0604020202020204" pitchFamily="34" charset="0"/>
+                  <a:cs typeface="Arial" panose="020B0604020202020204" pitchFamily="34" charset="0"/>
+                </a:rPr>
+                <a:t>V</a:t>
+              </a:r>
+            </a:p>
+          </p:txBody>
+        </p:sp>
+      </p:grpSp>
+      <p:cxnSp>
+        <p:nvCxnSpPr>
+          <p:cNvPr id="117" name="Straight Arrow Connector 116">
+            <a:extLst>
+              <a:ext uri="{FF2B5EF4-FFF2-40B4-BE49-F238E27FC236}">
+                <a16:creationId xmlns:a16="http://schemas.microsoft.com/office/drawing/2014/main" id="{B43852CB-8DC6-2254-BDA7-641C4EAA5DDA}"/>
+              </a:ext>
+            </a:extLst>
+          </p:cNvPr>
+          <p:cNvCxnSpPr>
+            <a:cxnSpLocks/>
+            <a:stCxn id="835" idx="3"/>
+            <a:endCxn id="56" idx="1"/>
+          </p:cNvCxnSpPr>
+          <p:nvPr/>
+        </p:nvCxnSpPr>
+        <p:spPr>
+          <a:xfrm flipV="1">
+            <a:off x="8417447" y="412445"/>
+            <a:ext cx="288821" cy="54"/>
+          </a:xfrm>
+          <a:prstGeom prst="straightConnector1">
+            <a:avLst/>
+          </a:prstGeom>
+          <a:ln>
+            <a:tailEnd type="triangle"/>
+          </a:ln>
+        </p:spPr>
+        <p:style>
+          <a:lnRef idx="2">
+            <a:schemeClr val="accent1"/>
+          </a:lnRef>
+          <a:fillRef idx="0">
+            <a:schemeClr val="accent1"/>
+          </a:fillRef>
+          <a:effectRef idx="1">
+            <a:schemeClr val="accent1"/>
+          </a:effectRef>
+          <a:fontRef idx="minor">
+            <a:schemeClr val="tx1"/>
+          </a:fontRef>
+        </p:style>
+      </p:cxnSp>
     </p:spTree>
     <p:extLst>
       <p:ext uri="{BB962C8B-B14F-4D97-AF65-F5344CB8AC3E}">
